--- a/lectures/14.1-3/lecture14.2-3.pptx
+++ b/lectures/14.1-3/lecture14.2-3.pptx
@@ -5,7 +5,7 @@
     <p:sldMasterId id="2147483648" r:id="rId1"/>
   </p:sldMasterIdLst>
   <p:notesMasterIdLst>
-    <p:notesMasterId r:id="rId16"/>
+    <p:notesMasterId r:id="rId18"/>
   </p:notesMasterIdLst>
   <p:sldIdLst>
     <p:sldId id="256" r:id="rId2"/>
@@ -18,10 +18,12 @@
     <p:sldId id="294" r:id="rId9"/>
     <p:sldId id="295" r:id="rId10"/>
     <p:sldId id="296" r:id="rId11"/>
-    <p:sldId id="297" r:id="rId12"/>
-    <p:sldId id="298" r:id="rId13"/>
-    <p:sldId id="299" r:id="rId14"/>
-    <p:sldId id="289" r:id="rId15"/>
+    <p:sldId id="301" r:id="rId12"/>
+    <p:sldId id="300" r:id="rId13"/>
+    <p:sldId id="297" r:id="rId14"/>
+    <p:sldId id="298" r:id="rId15"/>
+    <p:sldId id="299" r:id="rId16"/>
+    <p:sldId id="289" r:id="rId17"/>
   </p:sldIdLst>
   <p:sldSz cx="12192000" cy="6858000"/>
   <p:notesSz cx="6858000" cy="9144000"/>
@@ -210,7 +212,7 @@
           <a:p>
             <a:fld id="{248031C6-E4B0-0444-A4A8-9CCE96EC2C9C}" type="datetimeFigureOut">
               <a:rPr lang="en-GB" smtClean="0"/>
-              <a:t>18/12/2019</a:t>
+              <a:t>19/12/2019</a:t>
             </a:fld>
             <a:endParaRPr lang="en-GB"/>
           </a:p>
@@ -627,7 +629,7 @@
           <a:p>
             <a:fld id="{66665395-52C5-5E4B-BB20-CD4E0BBC9899}" type="datetimeFigureOut">
               <a:rPr lang="en-GB" smtClean="0"/>
-              <a:t>18/12/2019</a:t>
+              <a:t>19/12/2019</a:t>
             </a:fld>
             <a:endParaRPr lang="en-GB"/>
           </a:p>
@@ -827,7 +829,7 @@
           <a:p>
             <a:fld id="{66665395-52C5-5E4B-BB20-CD4E0BBC9899}" type="datetimeFigureOut">
               <a:rPr lang="en-GB" smtClean="0"/>
-              <a:t>18/12/2019</a:t>
+              <a:t>19/12/2019</a:t>
             </a:fld>
             <a:endParaRPr lang="en-GB"/>
           </a:p>
@@ -1037,7 +1039,7 @@
           <a:p>
             <a:fld id="{66665395-52C5-5E4B-BB20-CD4E0BBC9899}" type="datetimeFigureOut">
               <a:rPr lang="en-GB" smtClean="0"/>
-              <a:t>18/12/2019</a:t>
+              <a:t>19/12/2019</a:t>
             </a:fld>
             <a:endParaRPr lang="en-GB"/>
           </a:p>
@@ -1237,7 +1239,7 @@
           <a:p>
             <a:fld id="{66665395-52C5-5E4B-BB20-CD4E0BBC9899}" type="datetimeFigureOut">
               <a:rPr lang="en-GB" smtClean="0"/>
-              <a:t>18/12/2019</a:t>
+              <a:t>19/12/2019</a:t>
             </a:fld>
             <a:endParaRPr lang="en-GB"/>
           </a:p>
@@ -1513,7 +1515,7 @@
           <a:p>
             <a:fld id="{66665395-52C5-5E4B-BB20-CD4E0BBC9899}" type="datetimeFigureOut">
               <a:rPr lang="en-GB" smtClean="0"/>
-              <a:t>18/12/2019</a:t>
+              <a:t>19/12/2019</a:t>
             </a:fld>
             <a:endParaRPr lang="en-GB"/>
           </a:p>
@@ -1781,7 +1783,7 @@
           <a:p>
             <a:fld id="{66665395-52C5-5E4B-BB20-CD4E0BBC9899}" type="datetimeFigureOut">
               <a:rPr lang="en-GB" smtClean="0"/>
-              <a:t>18/12/2019</a:t>
+              <a:t>19/12/2019</a:t>
             </a:fld>
             <a:endParaRPr lang="en-GB"/>
           </a:p>
@@ -2196,7 +2198,7 @@
           <a:p>
             <a:fld id="{66665395-52C5-5E4B-BB20-CD4E0BBC9899}" type="datetimeFigureOut">
               <a:rPr lang="en-GB" smtClean="0"/>
-              <a:t>18/12/2019</a:t>
+              <a:t>19/12/2019</a:t>
             </a:fld>
             <a:endParaRPr lang="en-GB"/>
           </a:p>
@@ -2338,7 +2340,7 @@
           <a:p>
             <a:fld id="{66665395-52C5-5E4B-BB20-CD4E0BBC9899}" type="datetimeFigureOut">
               <a:rPr lang="en-GB" smtClean="0"/>
-              <a:t>18/12/2019</a:t>
+              <a:t>19/12/2019</a:t>
             </a:fld>
             <a:endParaRPr lang="en-GB"/>
           </a:p>
@@ -2451,7 +2453,7 @@
           <a:p>
             <a:fld id="{66665395-52C5-5E4B-BB20-CD4E0BBC9899}" type="datetimeFigureOut">
               <a:rPr lang="en-GB" smtClean="0"/>
-              <a:t>18/12/2019</a:t>
+              <a:t>19/12/2019</a:t>
             </a:fld>
             <a:endParaRPr lang="en-GB"/>
           </a:p>
@@ -2764,7 +2766,7 @@
           <a:p>
             <a:fld id="{66665395-52C5-5E4B-BB20-CD4E0BBC9899}" type="datetimeFigureOut">
               <a:rPr lang="en-GB" smtClean="0"/>
-              <a:t>18/12/2019</a:t>
+              <a:t>19/12/2019</a:t>
             </a:fld>
             <a:endParaRPr lang="en-GB"/>
           </a:p>
@@ -3053,7 +3055,7 @@
           <a:p>
             <a:fld id="{66665395-52C5-5E4B-BB20-CD4E0BBC9899}" type="datetimeFigureOut">
               <a:rPr lang="en-GB" smtClean="0"/>
-              <a:t>18/12/2019</a:t>
+              <a:t>19/12/2019</a:t>
             </a:fld>
             <a:endParaRPr lang="en-GB"/>
           </a:p>
@@ -3296,7 +3298,7 @@
           <a:p>
             <a:fld id="{66665395-52C5-5E4B-BB20-CD4E0BBC9899}" type="datetimeFigureOut">
               <a:rPr lang="en-GB" smtClean="0"/>
-              <a:t>18/12/2019</a:t>
+              <a:t>19/12/2019</a:t>
             </a:fld>
             <a:endParaRPr lang="en-GB"/>
           </a:p>
@@ -4318,6 +4320,892 @@
           <a:chExt cx="0" cy="0"/>
         </a:xfrm>
       </p:grpSpPr>
+      <p:pic>
+        <p:nvPicPr>
+          <p:cNvPr id="5" name="Picture 4" descr="A screenshot of text&#10;&#10;Description automatically generated">
+            <a:extLst>
+              <a:ext uri="{FF2B5EF4-FFF2-40B4-BE49-F238E27FC236}">
+                <a16:creationId xmlns:a16="http://schemas.microsoft.com/office/drawing/2014/main" id="{86CBA4D3-1858-E14F-B2AE-9B856387BBBF}"/>
+              </a:ext>
+            </a:extLst>
+          </p:cNvPr>
+          <p:cNvPicPr>
+            <a:picLocks noChangeAspect="1"/>
+          </p:cNvPicPr>
+          <p:nvPr/>
+        </p:nvPicPr>
+        <p:blipFill>
+          <a:blip r:embed="rId2"/>
+          <a:stretch>
+            <a:fillRect/>
+          </a:stretch>
+        </p:blipFill>
+        <p:spPr>
+          <a:xfrm>
+            <a:off x="291904" y="1202221"/>
+            <a:ext cx="7165340" cy="5283200"/>
+          </a:xfrm>
+          <a:prstGeom prst="rect">
+            <a:avLst/>
+          </a:prstGeom>
+        </p:spPr>
+      </p:pic>
+      <p:pic>
+        <p:nvPicPr>
+          <p:cNvPr id="21" name="Picture 20" descr="A screenshot of a cell phone&#10;&#10;Description automatically generated">
+            <a:extLst>
+              <a:ext uri="{FF2B5EF4-FFF2-40B4-BE49-F238E27FC236}">
+                <a16:creationId xmlns:a16="http://schemas.microsoft.com/office/drawing/2014/main" id="{429BC307-D014-C848-95F9-F331FF12CF52}"/>
+              </a:ext>
+            </a:extLst>
+          </p:cNvPr>
+          <p:cNvPicPr>
+            <a:picLocks noChangeAspect="1"/>
+          </p:cNvPicPr>
+          <p:nvPr/>
+        </p:nvPicPr>
+        <p:blipFill>
+          <a:blip r:embed="rId3"/>
+          <a:stretch>
+            <a:fillRect/>
+          </a:stretch>
+        </p:blipFill>
+        <p:spPr>
+          <a:xfrm>
+            <a:off x="7668260" y="0"/>
+            <a:ext cx="4523740" cy="2443480"/>
+          </a:xfrm>
+          <a:prstGeom prst="rect">
+            <a:avLst/>
+          </a:prstGeom>
+        </p:spPr>
+      </p:pic>
+      <p:sp>
+        <p:nvSpPr>
+          <p:cNvPr id="2" name="Title 1">
+            <a:extLst>
+              <a:ext uri="{FF2B5EF4-FFF2-40B4-BE49-F238E27FC236}">
+                <a16:creationId xmlns:a16="http://schemas.microsoft.com/office/drawing/2014/main" id="{778D0876-E96F-3E48-94CB-CA3D843B1455}"/>
+              </a:ext>
+            </a:extLst>
+          </p:cNvPr>
+          <p:cNvSpPr>
+            <a:spLocks noGrp="1"/>
+          </p:cNvSpPr>
+          <p:nvPr>
+            <p:ph type="title"/>
+          </p:nvPr>
+        </p:nvSpPr>
+        <p:spPr>
+          <a:xfrm>
+            <a:off x="272121" y="30480"/>
+            <a:ext cx="6788101" cy="1325563"/>
+          </a:xfrm>
+        </p:spPr>
+        <p:txBody>
+          <a:bodyPr/>
+          <a:lstStyle/>
+          <a:p>
+            <a:r>
+              <a:rPr lang="en-GB" dirty="0" err="1"/>
+              <a:t>Komplekse</a:t>
+            </a:r>
+            <a:r>
+              <a:rPr lang="en-GB" dirty="0"/>
+              <a:t> </a:t>
+            </a:r>
+            <a:r>
+              <a:rPr lang="en-GB" dirty="0" err="1"/>
+              <a:t>tal</a:t>
+            </a:r>
+            <a:r>
+              <a:rPr lang="en-GB" dirty="0"/>
+              <a:t>: Constructors</a:t>
+            </a:r>
+          </a:p>
+        </p:txBody>
+      </p:sp>
+      <p:sp>
+        <p:nvSpPr>
+          <p:cNvPr id="11" name="Rectangle 10">
+            <a:extLst>
+              <a:ext uri="{FF2B5EF4-FFF2-40B4-BE49-F238E27FC236}">
+                <a16:creationId xmlns:a16="http://schemas.microsoft.com/office/drawing/2014/main" id="{042BCDE4-A5BA-704F-81F7-60DE4B76C320}"/>
+              </a:ext>
+            </a:extLst>
+          </p:cNvPr>
+          <p:cNvSpPr/>
+          <p:nvPr/>
+        </p:nvSpPr>
+        <p:spPr>
+          <a:xfrm>
+            <a:off x="330255" y="1722154"/>
+            <a:ext cx="7033986" cy="291284"/>
+          </a:xfrm>
+          <a:prstGeom prst="rect">
+            <a:avLst/>
+          </a:prstGeom>
+          <a:noFill/>
+          <a:ln w="38100"/>
+        </p:spPr>
+        <p:style>
+          <a:lnRef idx="2">
+            <a:schemeClr val="accent1">
+              <a:shade val="50000"/>
+            </a:schemeClr>
+          </a:lnRef>
+          <a:fillRef idx="1">
+            <a:schemeClr val="accent1"/>
+          </a:fillRef>
+          <a:effectRef idx="0">
+            <a:schemeClr val="accent1"/>
+          </a:effectRef>
+          <a:fontRef idx="minor">
+            <a:schemeClr val="lt1"/>
+          </a:fontRef>
+        </p:style>
+        <p:txBody>
+          <a:bodyPr rtlCol="0" anchor="ctr"/>
+          <a:lstStyle/>
+          <a:p>
+            <a:pPr algn="ctr"/>
+            <a:endParaRPr lang="en-GB"/>
+          </a:p>
+        </p:txBody>
+      </p:sp>
+      <p:sp>
+        <p:nvSpPr>
+          <p:cNvPr id="12" name="Rectangle 11">
+            <a:extLst>
+              <a:ext uri="{FF2B5EF4-FFF2-40B4-BE49-F238E27FC236}">
+                <a16:creationId xmlns:a16="http://schemas.microsoft.com/office/drawing/2014/main" id="{BC079040-B106-0647-84F0-6822C9332AD6}"/>
+              </a:ext>
+            </a:extLst>
+          </p:cNvPr>
+          <p:cNvSpPr/>
+          <p:nvPr/>
+        </p:nvSpPr>
+        <p:spPr>
+          <a:xfrm>
+            <a:off x="307291" y="5937435"/>
+            <a:ext cx="4370218" cy="589172"/>
+          </a:xfrm>
+          <a:prstGeom prst="rect">
+            <a:avLst/>
+          </a:prstGeom>
+          <a:noFill/>
+          <a:ln w="38100"/>
+        </p:spPr>
+        <p:style>
+          <a:lnRef idx="2">
+            <a:schemeClr val="accent1">
+              <a:shade val="50000"/>
+            </a:schemeClr>
+          </a:lnRef>
+          <a:fillRef idx="1">
+            <a:schemeClr val="accent1"/>
+          </a:fillRef>
+          <a:effectRef idx="0">
+            <a:schemeClr val="accent1"/>
+          </a:effectRef>
+          <a:fontRef idx="minor">
+            <a:schemeClr val="lt1"/>
+          </a:fontRef>
+        </p:style>
+        <p:txBody>
+          <a:bodyPr rtlCol="0" anchor="ctr"/>
+          <a:lstStyle/>
+          <a:p>
+            <a:pPr algn="ctr"/>
+            <a:endParaRPr lang="en-GB"/>
+          </a:p>
+        </p:txBody>
+      </p:sp>
+      <p:sp>
+        <p:nvSpPr>
+          <p:cNvPr id="9" name="TextBox 8">
+            <a:extLst>
+              <a:ext uri="{FF2B5EF4-FFF2-40B4-BE49-F238E27FC236}">
+                <a16:creationId xmlns:a16="http://schemas.microsoft.com/office/drawing/2014/main" id="{56395E17-EC8E-AD4E-A601-621D0991129F}"/>
+              </a:ext>
+            </a:extLst>
+          </p:cNvPr>
+          <p:cNvSpPr txBox="1"/>
+          <p:nvPr/>
+        </p:nvSpPr>
+        <p:spPr>
+          <a:xfrm>
+            <a:off x="6966852" y="3906110"/>
+            <a:ext cx="5225148" cy="2031325"/>
+          </a:xfrm>
+          <a:prstGeom prst="rect">
+            <a:avLst/>
+          </a:prstGeom>
+          <a:noFill/>
+        </p:spPr>
+        <p:txBody>
+          <a:bodyPr wrap="square" rtlCol="0">
+            <a:spAutoFit/>
+          </a:bodyPr>
+          <a:lstStyle/>
+          <a:p>
+            <a:pPr marL="285750" indent="-285750">
+              <a:buFont typeface="Arial" panose="020B0604020202020204" pitchFamily="34" charset="0"/>
+              <a:buChar char="•"/>
+            </a:pPr>
+            <a:r>
+              <a:rPr lang="en-GB" dirty="0"/>
+              <a:t>Mutable: copy needed, difficult to remember state</a:t>
+            </a:r>
+          </a:p>
+          <a:p>
+            <a:pPr marL="285750" indent="-285750">
+              <a:buFont typeface="Arial" panose="020B0604020202020204" pitchFamily="34" charset="0"/>
+              <a:buChar char="•"/>
+            </a:pPr>
+            <a:r>
+              <a:rPr lang="en-GB" dirty="0"/>
+              <a:t>This: No state to remember, operator difficult</a:t>
+            </a:r>
+          </a:p>
+          <a:p>
+            <a:pPr marL="285750" indent="-285750">
+              <a:buFont typeface="Arial" panose="020B0604020202020204" pitchFamily="34" charset="0"/>
+              <a:buChar char="•"/>
+            </a:pPr>
+            <a:r>
+              <a:rPr lang="en-GB" dirty="0"/>
+              <a:t>U: programming notation easier</a:t>
+            </a:r>
+          </a:p>
+          <a:p>
+            <a:pPr marL="285750" indent="-285750">
+              <a:buFont typeface="Arial" panose="020B0604020202020204" pitchFamily="34" charset="0"/>
+              <a:buChar char="•"/>
+            </a:pPr>
+            <a:r>
+              <a:rPr lang="en-GB" dirty="0"/>
+              <a:t>Static: Like a module, usage slightly more natural</a:t>
+            </a:r>
+          </a:p>
+          <a:p>
+            <a:pPr marL="285750" indent="-285750">
+              <a:buFont typeface="Arial" panose="020B0604020202020204" pitchFamily="34" charset="0"/>
+              <a:buChar char="•"/>
+            </a:pPr>
+            <a:r>
+              <a:rPr lang="en-GB" dirty="0"/>
+              <a:t>Operator: ‘normal’ usage</a:t>
+            </a:r>
+          </a:p>
+          <a:p>
+            <a:pPr marL="285750" indent="-285750">
+              <a:buFont typeface="Arial" panose="020B0604020202020204" pitchFamily="34" charset="0"/>
+              <a:buChar char="•"/>
+            </a:pPr>
+            <a:r>
+              <a:rPr lang="en-GB" dirty="0"/>
+              <a:t>New: easier creation</a:t>
+            </a:r>
+          </a:p>
+          <a:p>
+            <a:endParaRPr lang="en-GB" dirty="0"/>
+          </a:p>
+        </p:txBody>
+      </p:sp>
+      <p:sp>
+        <p:nvSpPr>
+          <p:cNvPr id="8" name="TextBox 7">
+            <a:extLst>
+              <a:ext uri="{FF2B5EF4-FFF2-40B4-BE49-F238E27FC236}">
+                <a16:creationId xmlns:a16="http://schemas.microsoft.com/office/drawing/2014/main" id="{9B4C0935-0600-6041-94CD-97513703EB58}"/>
+              </a:ext>
+            </a:extLst>
+          </p:cNvPr>
+          <p:cNvSpPr txBox="1"/>
+          <p:nvPr/>
+        </p:nvSpPr>
+        <p:spPr>
+          <a:xfrm>
+            <a:off x="6966852" y="6256066"/>
+            <a:ext cx="1693862" cy="369332"/>
+          </a:xfrm>
+          <a:prstGeom prst="rect">
+            <a:avLst/>
+          </a:prstGeom>
+          <a:noFill/>
+        </p:spPr>
+        <p:txBody>
+          <a:bodyPr wrap="none" rtlCol="0">
+            <a:spAutoFit/>
+          </a:bodyPr>
+          <a:lstStyle/>
+          <a:p>
+            <a:r>
+              <a:rPr lang="da-DK" dirty="0" err="1"/>
+              <a:t>complexNew.fsx</a:t>
+            </a:r>
+            <a:endParaRPr lang="da-DK" dirty="0"/>
+          </a:p>
+        </p:txBody>
+      </p:sp>
+    </p:spTree>
+    <p:extLst>
+      <p:ext uri="{BB962C8B-B14F-4D97-AF65-F5344CB8AC3E}">
+        <p14:creationId xmlns:p14="http://schemas.microsoft.com/office/powerpoint/2010/main" val="665757510"/>
+      </p:ext>
+    </p:extLst>
+  </p:cSld>
+  <p:clrMapOvr>
+    <a:masterClrMapping/>
+  </p:clrMapOvr>
+  <p:timing>
+    <p:tnLst>
+      <p:par>
+        <p:cTn id="1" dur="indefinite" restart="never" nodeType="tmRoot">
+          <p:childTnLst>
+            <p:seq concurrent="1" nextAc="seek">
+              <p:cTn id="2" dur="indefinite" nodeType="mainSeq">
+                <p:childTnLst>
+                  <p:par>
+                    <p:cTn id="3" fill="hold">
+                      <p:stCondLst>
+                        <p:cond delay="indefinite"/>
+                      </p:stCondLst>
+                      <p:childTnLst>
+                        <p:par>
+                          <p:cTn id="4" fill="hold">
+                            <p:stCondLst>
+                              <p:cond delay="0"/>
+                            </p:stCondLst>
+                            <p:childTnLst>
+                              <p:par>
+                                <p:cTn id="5" presetID="1" presetClass="entr" presetSubtype="0" fill="hold" nodeType="clickEffect">
+                                  <p:stCondLst>
+                                    <p:cond delay="0"/>
+                                  </p:stCondLst>
+                                  <p:childTnLst>
+                                    <p:set>
+                                      <p:cBhvr>
+                                        <p:cTn id="6" dur="1" fill="hold">
+                                          <p:stCondLst>
+                                            <p:cond delay="0"/>
+                                          </p:stCondLst>
+                                        </p:cTn>
+                                        <p:tgtEl>
+                                          <p:spTgt spid="9">
+                                            <p:txEl>
+                                              <p:pRg st="5" end="5"/>
+                                            </p:txEl>
+                                          </p:spTgt>
+                                        </p:tgtEl>
+                                        <p:attrNameLst>
+                                          <p:attrName>style.visibility</p:attrName>
+                                        </p:attrNameLst>
+                                      </p:cBhvr>
+                                      <p:to>
+                                        <p:strVal val="visible"/>
+                                      </p:to>
+                                    </p:set>
+                                  </p:childTnLst>
+                                </p:cTn>
+                              </p:par>
+                            </p:childTnLst>
+                          </p:cTn>
+                        </p:par>
+                      </p:childTnLst>
+                    </p:cTn>
+                  </p:par>
+                </p:childTnLst>
+              </p:cTn>
+              <p:prevCondLst>
+                <p:cond evt="onPrev" delay="0">
+                  <p:tgtEl>
+                    <p:sldTgt/>
+                  </p:tgtEl>
+                </p:cond>
+              </p:prevCondLst>
+              <p:nextCondLst>
+                <p:cond evt="onNext" delay="0">
+                  <p:tgtEl>
+                    <p:sldTgt/>
+                  </p:tgtEl>
+                </p:cond>
+              </p:nextCondLst>
+            </p:seq>
+          </p:childTnLst>
+        </p:cTn>
+      </p:par>
+    </p:tnLst>
+  </p:timing>
+</p:sld>
+</file>
+
+<file path=ppt/slides/slide12.xml><?xml version="1.0" encoding="utf-8"?>
+<p:sld xmlns:a="http://schemas.openxmlformats.org/drawingml/2006/main" xmlns:r="http://schemas.openxmlformats.org/officeDocument/2006/relationships" xmlns:p="http://schemas.openxmlformats.org/presentationml/2006/main">
+  <p:cSld>
+    <p:spTree>
+      <p:nvGrpSpPr>
+        <p:cNvPr id="1" name=""/>
+        <p:cNvGrpSpPr/>
+        <p:nvPr/>
+      </p:nvGrpSpPr>
+      <p:grpSpPr>
+        <a:xfrm>
+          <a:off x="0" y="0"/>
+          <a:ext cx="0" cy="0"/>
+          <a:chOff x="0" y="0"/>
+          <a:chExt cx="0" cy="0"/>
+        </a:xfrm>
+      </p:grpSpPr>
+      <p:pic>
+        <p:nvPicPr>
+          <p:cNvPr id="21" name="Picture 20" descr="A screenshot of a cell phone&#10;&#10;Description automatically generated">
+            <a:extLst>
+              <a:ext uri="{FF2B5EF4-FFF2-40B4-BE49-F238E27FC236}">
+                <a16:creationId xmlns:a16="http://schemas.microsoft.com/office/drawing/2014/main" id="{429BC307-D014-C848-95F9-F331FF12CF52}"/>
+              </a:ext>
+            </a:extLst>
+          </p:cNvPr>
+          <p:cNvPicPr>
+            <a:picLocks noChangeAspect="1"/>
+          </p:cNvPicPr>
+          <p:nvPr/>
+        </p:nvPicPr>
+        <p:blipFill>
+          <a:blip r:embed="rId2"/>
+          <a:stretch>
+            <a:fillRect/>
+          </a:stretch>
+        </p:blipFill>
+        <p:spPr>
+          <a:xfrm>
+            <a:off x="7668260" y="0"/>
+            <a:ext cx="4523740" cy="2443480"/>
+          </a:xfrm>
+          <a:prstGeom prst="rect">
+            <a:avLst/>
+          </a:prstGeom>
+        </p:spPr>
+      </p:pic>
+      <p:sp>
+        <p:nvSpPr>
+          <p:cNvPr id="2" name="Title 1">
+            <a:extLst>
+              <a:ext uri="{FF2B5EF4-FFF2-40B4-BE49-F238E27FC236}">
+                <a16:creationId xmlns:a16="http://schemas.microsoft.com/office/drawing/2014/main" id="{778D0876-E96F-3E48-94CB-CA3D843B1455}"/>
+              </a:ext>
+            </a:extLst>
+          </p:cNvPr>
+          <p:cNvSpPr>
+            <a:spLocks noGrp="1"/>
+          </p:cNvSpPr>
+          <p:nvPr>
+            <p:ph type="title"/>
+          </p:nvPr>
+        </p:nvSpPr>
+        <p:spPr>
+          <a:xfrm>
+            <a:off x="272122" y="30480"/>
+            <a:ext cx="6428052" cy="1325563"/>
+          </a:xfrm>
+        </p:spPr>
+        <p:txBody>
+          <a:bodyPr/>
+          <a:lstStyle/>
+          <a:p>
+            <a:r>
+              <a:rPr lang="en-GB" dirty="0" err="1"/>
+              <a:t>Komplekse</a:t>
+            </a:r>
+            <a:r>
+              <a:rPr lang="en-GB" dirty="0"/>
+              <a:t> </a:t>
+            </a:r>
+            <a:r>
+              <a:rPr lang="en-GB" dirty="0" err="1"/>
+              <a:t>tal</a:t>
+            </a:r>
+            <a:r>
+              <a:rPr lang="en-GB" dirty="0"/>
+              <a:t>: Overload</a:t>
+            </a:r>
+          </a:p>
+        </p:txBody>
+      </p:sp>
+      <p:pic>
+        <p:nvPicPr>
+          <p:cNvPr id="4" name="Picture 3">
+            <a:extLst>
+              <a:ext uri="{FF2B5EF4-FFF2-40B4-BE49-F238E27FC236}">
+                <a16:creationId xmlns:a16="http://schemas.microsoft.com/office/drawing/2014/main" id="{8FFBEEB3-3A3E-A54E-9E49-4E20D3BE9637}"/>
+              </a:ext>
+            </a:extLst>
+          </p:cNvPr>
+          <p:cNvPicPr>
+            <a:picLocks noChangeAspect="1"/>
+          </p:cNvPicPr>
+          <p:nvPr/>
+        </p:nvPicPr>
+        <p:blipFill>
+          <a:blip r:embed="rId3"/>
+          <a:stretch>
+            <a:fillRect/>
+          </a:stretch>
+        </p:blipFill>
+        <p:spPr>
+          <a:xfrm>
+            <a:off x="272122" y="1221740"/>
+            <a:ext cx="7115810" cy="5250180"/>
+          </a:xfrm>
+          <a:prstGeom prst="rect">
+            <a:avLst/>
+          </a:prstGeom>
+        </p:spPr>
+      </p:pic>
+      <p:sp>
+        <p:nvSpPr>
+          <p:cNvPr id="11" name="Rectangle 10">
+            <a:extLst>
+              <a:ext uri="{FF2B5EF4-FFF2-40B4-BE49-F238E27FC236}">
+                <a16:creationId xmlns:a16="http://schemas.microsoft.com/office/drawing/2014/main" id="{042BCDE4-A5BA-704F-81F7-60DE4B76C320}"/>
+              </a:ext>
+            </a:extLst>
+          </p:cNvPr>
+          <p:cNvSpPr/>
+          <p:nvPr/>
+        </p:nvSpPr>
+        <p:spPr>
+          <a:xfrm>
+            <a:off x="328644" y="2788420"/>
+            <a:ext cx="7033986" cy="1053818"/>
+          </a:xfrm>
+          <a:prstGeom prst="rect">
+            <a:avLst/>
+          </a:prstGeom>
+          <a:noFill/>
+          <a:ln w="38100"/>
+        </p:spPr>
+        <p:style>
+          <a:lnRef idx="2">
+            <a:schemeClr val="accent1">
+              <a:shade val="50000"/>
+            </a:schemeClr>
+          </a:lnRef>
+          <a:fillRef idx="1">
+            <a:schemeClr val="accent1"/>
+          </a:fillRef>
+          <a:effectRef idx="0">
+            <a:schemeClr val="accent1"/>
+          </a:effectRef>
+          <a:fontRef idx="minor">
+            <a:schemeClr val="lt1"/>
+          </a:fontRef>
+        </p:style>
+        <p:txBody>
+          <a:bodyPr rtlCol="0" anchor="ctr"/>
+          <a:lstStyle/>
+          <a:p>
+            <a:pPr algn="ctr"/>
+            <a:endParaRPr lang="en-GB"/>
+          </a:p>
+        </p:txBody>
+      </p:sp>
+      <p:sp>
+        <p:nvSpPr>
+          <p:cNvPr id="12" name="Rectangle 11">
+            <a:extLst>
+              <a:ext uri="{FF2B5EF4-FFF2-40B4-BE49-F238E27FC236}">
+                <a16:creationId xmlns:a16="http://schemas.microsoft.com/office/drawing/2014/main" id="{BC079040-B106-0647-84F0-6822C9332AD6}"/>
+              </a:ext>
+            </a:extLst>
+          </p:cNvPr>
+          <p:cNvSpPr/>
+          <p:nvPr/>
+        </p:nvSpPr>
+        <p:spPr>
+          <a:xfrm>
+            <a:off x="307291" y="5937435"/>
+            <a:ext cx="4370218" cy="589172"/>
+          </a:xfrm>
+          <a:prstGeom prst="rect">
+            <a:avLst/>
+          </a:prstGeom>
+          <a:noFill/>
+          <a:ln w="38100"/>
+        </p:spPr>
+        <p:style>
+          <a:lnRef idx="2">
+            <a:schemeClr val="accent1">
+              <a:shade val="50000"/>
+            </a:schemeClr>
+          </a:lnRef>
+          <a:fillRef idx="1">
+            <a:schemeClr val="accent1"/>
+          </a:fillRef>
+          <a:effectRef idx="0">
+            <a:schemeClr val="accent1"/>
+          </a:effectRef>
+          <a:fontRef idx="minor">
+            <a:schemeClr val="lt1"/>
+          </a:fontRef>
+        </p:style>
+        <p:txBody>
+          <a:bodyPr rtlCol="0" anchor="ctr"/>
+          <a:lstStyle/>
+          <a:p>
+            <a:pPr algn="ctr"/>
+            <a:endParaRPr lang="en-GB"/>
+          </a:p>
+        </p:txBody>
+      </p:sp>
+      <p:sp>
+        <p:nvSpPr>
+          <p:cNvPr id="9" name="TextBox 8">
+            <a:extLst>
+              <a:ext uri="{FF2B5EF4-FFF2-40B4-BE49-F238E27FC236}">
+                <a16:creationId xmlns:a16="http://schemas.microsoft.com/office/drawing/2014/main" id="{56395E17-EC8E-AD4E-A601-621D0991129F}"/>
+              </a:ext>
+            </a:extLst>
+          </p:cNvPr>
+          <p:cNvSpPr txBox="1"/>
+          <p:nvPr/>
+        </p:nvSpPr>
+        <p:spPr>
+          <a:xfrm>
+            <a:off x="6966852" y="3906110"/>
+            <a:ext cx="5225148" cy="2308324"/>
+          </a:xfrm>
+          <a:prstGeom prst="rect">
+            <a:avLst/>
+          </a:prstGeom>
+          <a:noFill/>
+        </p:spPr>
+        <p:txBody>
+          <a:bodyPr wrap="square" rtlCol="0">
+            <a:spAutoFit/>
+          </a:bodyPr>
+          <a:lstStyle/>
+          <a:p>
+            <a:pPr marL="285750" indent="-285750">
+              <a:buFont typeface="Arial" panose="020B0604020202020204" pitchFamily="34" charset="0"/>
+              <a:buChar char="•"/>
+            </a:pPr>
+            <a:r>
+              <a:rPr lang="en-GB" dirty="0"/>
+              <a:t>Mutable: copy needed, difficult to remember state</a:t>
+            </a:r>
+          </a:p>
+          <a:p>
+            <a:pPr marL="285750" indent="-285750">
+              <a:buFont typeface="Arial" panose="020B0604020202020204" pitchFamily="34" charset="0"/>
+              <a:buChar char="•"/>
+            </a:pPr>
+            <a:r>
+              <a:rPr lang="en-GB" dirty="0"/>
+              <a:t>This: No state to remember, operator difficult</a:t>
+            </a:r>
+          </a:p>
+          <a:p>
+            <a:pPr marL="285750" indent="-285750">
+              <a:buFont typeface="Arial" panose="020B0604020202020204" pitchFamily="34" charset="0"/>
+              <a:buChar char="•"/>
+            </a:pPr>
+            <a:r>
+              <a:rPr lang="en-GB" dirty="0"/>
+              <a:t>U: programming notation easier</a:t>
+            </a:r>
+          </a:p>
+          <a:p>
+            <a:pPr marL="285750" indent="-285750">
+              <a:buFont typeface="Arial" panose="020B0604020202020204" pitchFamily="34" charset="0"/>
+              <a:buChar char="•"/>
+            </a:pPr>
+            <a:r>
+              <a:rPr lang="en-GB" dirty="0"/>
+              <a:t>Static: Like a module, usage slightly more natural</a:t>
+            </a:r>
+          </a:p>
+          <a:p>
+            <a:pPr marL="285750" indent="-285750">
+              <a:buFont typeface="Arial" panose="020B0604020202020204" pitchFamily="34" charset="0"/>
+              <a:buChar char="•"/>
+            </a:pPr>
+            <a:r>
+              <a:rPr lang="en-GB" dirty="0"/>
+              <a:t>Operator: ‘normal’ usage</a:t>
+            </a:r>
+          </a:p>
+          <a:p>
+            <a:pPr marL="285750" indent="-285750">
+              <a:buFont typeface="Arial" panose="020B0604020202020204" pitchFamily="34" charset="0"/>
+              <a:buChar char="•"/>
+            </a:pPr>
+            <a:r>
+              <a:rPr lang="en-GB" dirty="0"/>
+              <a:t>New: easier creation</a:t>
+            </a:r>
+          </a:p>
+          <a:p>
+            <a:pPr marL="285750" indent="-285750">
+              <a:buFont typeface="Arial" panose="020B0604020202020204" pitchFamily="34" charset="0"/>
+              <a:buChar char="•"/>
+            </a:pPr>
+            <a:r>
+              <a:rPr lang="en-GB" dirty="0"/>
+              <a:t>Overload: type mixing in usage</a:t>
+            </a:r>
+          </a:p>
+          <a:p>
+            <a:endParaRPr lang="en-GB" dirty="0"/>
+          </a:p>
+        </p:txBody>
+      </p:sp>
+      <p:sp>
+        <p:nvSpPr>
+          <p:cNvPr id="8" name="TextBox 7">
+            <a:extLst>
+              <a:ext uri="{FF2B5EF4-FFF2-40B4-BE49-F238E27FC236}">
+                <a16:creationId xmlns:a16="http://schemas.microsoft.com/office/drawing/2014/main" id="{9B4C0935-0600-6041-94CD-97513703EB58}"/>
+              </a:ext>
+            </a:extLst>
+          </p:cNvPr>
+          <p:cNvSpPr txBox="1"/>
+          <p:nvPr/>
+        </p:nvSpPr>
+        <p:spPr>
+          <a:xfrm>
+            <a:off x="6966852" y="6256066"/>
+            <a:ext cx="2137124" cy="369332"/>
+          </a:xfrm>
+          <a:prstGeom prst="rect">
+            <a:avLst/>
+          </a:prstGeom>
+          <a:noFill/>
+        </p:spPr>
+        <p:txBody>
+          <a:bodyPr wrap="none" rtlCol="0">
+            <a:spAutoFit/>
+          </a:bodyPr>
+          <a:lstStyle/>
+          <a:p>
+            <a:r>
+              <a:rPr lang="da-DK" dirty="0" err="1"/>
+              <a:t>complexOverload.fsx</a:t>
+            </a:r>
+            <a:endParaRPr lang="da-DK" dirty="0"/>
+          </a:p>
+        </p:txBody>
+      </p:sp>
+    </p:spTree>
+    <p:extLst>
+      <p:ext uri="{BB962C8B-B14F-4D97-AF65-F5344CB8AC3E}">
+        <p14:creationId xmlns:p14="http://schemas.microsoft.com/office/powerpoint/2010/main" val="228185136"/>
+      </p:ext>
+    </p:extLst>
+  </p:cSld>
+  <p:clrMapOvr>
+    <a:masterClrMapping/>
+  </p:clrMapOvr>
+  <p:timing>
+    <p:tnLst>
+      <p:par>
+        <p:cTn id="1" dur="indefinite" restart="never" nodeType="tmRoot">
+          <p:childTnLst>
+            <p:seq concurrent="1" nextAc="seek">
+              <p:cTn id="2" dur="indefinite" nodeType="mainSeq">
+                <p:childTnLst>
+                  <p:par>
+                    <p:cTn id="3" fill="hold">
+                      <p:stCondLst>
+                        <p:cond delay="indefinite"/>
+                      </p:stCondLst>
+                      <p:childTnLst>
+                        <p:par>
+                          <p:cTn id="4" fill="hold">
+                            <p:stCondLst>
+                              <p:cond delay="0"/>
+                            </p:stCondLst>
+                            <p:childTnLst>
+                              <p:par>
+                                <p:cTn id="5" presetID="1" presetClass="entr" presetSubtype="0" fill="hold" nodeType="clickEffect">
+                                  <p:stCondLst>
+                                    <p:cond delay="0"/>
+                                  </p:stCondLst>
+                                  <p:childTnLst>
+                                    <p:set>
+                                      <p:cBhvr>
+                                        <p:cTn id="6" dur="1" fill="hold">
+                                          <p:stCondLst>
+                                            <p:cond delay="0"/>
+                                          </p:stCondLst>
+                                        </p:cTn>
+                                        <p:tgtEl>
+                                          <p:spTgt spid="9">
+                                            <p:txEl>
+                                              <p:pRg st="6" end="6"/>
+                                            </p:txEl>
+                                          </p:spTgt>
+                                        </p:tgtEl>
+                                        <p:attrNameLst>
+                                          <p:attrName>style.visibility</p:attrName>
+                                        </p:attrNameLst>
+                                      </p:cBhvr>
+                                      <p:to>
+                                        <p:strVal val="visible"/>
+                                      </p:to>
+                                    </p:set>
+                                  </p:childTnLst>
+                                </p:cTn>
+                              </p:par>
+                            </p:childTnLst>
+                          </p:cTn>
+                        </p:par>
+                      </p:childTnLst>
+                    </p:cTn>
+                  </p:par>
+                </p:childTnLst>
+              </p:cTn>
+              <p:prevCondLst>
+                <p:cond evt="onPrev" delay="0">
+                  <p:tgtEl>
+                    <p:sldTgt/>
+                  </p:tgtEl>
+                </p:cond>
+              </p:prevCondLst>
+              <p:nextCondLst>
+                <p:cond evt="onNext" delay="0">
+                  <p:tgtEl>
+                    <p:sldTgt/>
+                  </p:tgtEl>
+                </p:cond>
+              </p:nextCondLst>
+            </p:seq>
+          </p:childTnLst>
+        </p:cTn>
+      </p:par>
+    </p:tnLst>
+  </p:timing>
+</p:sld>
+</file>
+
+<file path=ppt/slides/slide13.xml><?xml version="1.0" encoding="utf-8"?>
+<p:sld xmlns:a="http://schemas.openxmlformats.org/drawingml/2006/main" xmlns:r="http://schemas.openxmlformats.org/officeDocument/2006/relationships" xmlns:p="http://schemas.openxmlformats.org/presentationml/2006/main">
+  <p:cSld>
+    <p:spTree>
+      <p:nvGrpSpPr>
+        <p:cNvPr id="1" name=""/>
+        <p:cNvGrpSpPr/>
+        <p:nvPr/>
+      </p:nvGrpSpPr>
+      <p:grpSpPr>
+        <a:xfrm>
+          <a:off x="0" y="0"/>
+          <a:ext cx="0" cy="0"/>
+          <a:chOff x="0" y="0"/>
+          <a:chExt cx="0" cy="0"/>
+        </a:xfrm>
+      </p:grpSpPr>
       <p:sp>
         <p:nvSpPr>
           <p:cNvPr id="2" name="Title 1">
@@ -5171,7 +6059,7 @@
 </p:sld>
 </file>
 
-<file path=ppt/slides/slide12.xml><?xml version="1.0" encoding="utf-8"?>
+<file path=ppt/slides/slide14.xml><?xml version="1.0" encoding="utf-8"?>
 <p:sld xmlns:a="http://schemas.openxmlformats.org/drawingml/2006/main" xmlns:r="http://schemas.openxmlformats.org/officeDocument/2006/relationships" xmlns:p="http://schemas.openxmlformats.org/presentationml/2006/main">
   <p:cSld>
     <p:spTree>
@@ -6160,7 +7048,7 @@
 </p:sld>
 </file>
 
-<file path=ppt/slides/slide13.xml><?xml version="1.0" encoding="utf-8"?>
+<file path=ppt/slides/slide15.xml><?xml version="1.0" encoding="utf-8"?>
 <p:sld xmlns:a="http://schemas.openxmlformats.org/drawingml/2006/main" xmlns:r="http://schemas.openxmlformats.org/officeDocument/2006/relationships" xmlns:p="http://schemas.openxmlformats.org/presentationml/2006/main">
   <p:cSld>
     <p:spTree>
@@ -6753,7 +7641,7 @@
 </p:sld>
 </file>
 
-<file path=ppt/slides/slide14.xml><?xml version="1.0" encoding="utf-8"?>
+<file path=ppt/slides/slide16.xml><?xml version="1.0" encoding="utf-8"?>
 <p:sld xmlns:a="http://schemas.openxmlformats.org/drawingml/2006/main" xmlns:r="http://schemas.openxmlformats.org/officeDocument/2006/relationships" xmlns:p="http://schemas.openxmlformats.org/presentationml/2006/main">
   <p:cSld>
     <p:spTree>
@@ -6817,13 +7705,13 @@
         </p:nvSpPr>
         <p:spPr>
           <a:xfrm>
-            <a:off x="838200" y="1825625"/>
-            <a:ext cx="10515600" cy="2844346"/>
+            <a:off x="838200" y="1468316"/>
+            <a:ext cx="10515600" cy="3745522"/>
           </a:xfrm>
         </p:spPr>
         <p:txBody>
           <a:bodyPr>
-            <a:normAutofit/>
+            <a:normAutofit fontScale="85000" lnSpcReduction="20000"/>
           </a:bodyPr>
           <a:lstStyle/>
           <a:p>
@@ -6892,7 +7780,56 @@
             </a:r>
             <a:r>
               <a:rPr lang="en-GB" dirty="0"/>
-              <a:t>: Mutable, immutable, self-identifier, static, operator</a:t>
+              <a:t>: </a:t>
+            </a:r>
+          </a:p>
+          <a:p>
+            <a:pPr lvl="1"/>
+            <a:r>
+              <a:rPr lang="en-GB" dirty="0"/>
+              <a:t>Mutable, </a:t>
+            </a:r>
+          </a:p>
+          <a:p>
+            <a:pPr lvl="1"/>
+            <a:r>
+              <a:rPr lang="en-GB" dirty="0"/>
+              <a:t>immutable, </a:t>
+            </a:r>
+          </a:p>
+          <a:p>
+            <a:pPr lvl="1"/>
+            <a:r>
+              <a:rPr lang="en-GB" dirty="0"/>
+              <a:t>self-identifier, </a:t>
+            </a:r>
+          </a:p>
+          <a:p>
+            <a:pPr lvl="1"/>
+            <a:r>
+              <a:rPr lang="en-GB" dirty="0"/>
+              <a:t>static, </a:t>
+            </a:r>
+          </a:p>
+          <a:p>
+            <a:pPr lvl="1"/>
+            <a:r>
+              <a:rPr lang="en-GB" dirty="0"/>
+              <a:t>operator,</a:t>
+            </a:r>
+          </a:p>
+          <a:p>
+            <a:pPr lvl="1"/>
+            <a:r>
+              <a:rPr lang="en-GB" dirty="0"/>
+              <a:t>extra constructors,</a:t>
+            </a:r>
+          </a:p>
+          <a:p>
+            <a:pPr lvl="1"/>
+            <a:r>
+              <a:rPr lang="en-GB" dirty="0"/>
+              <a:t>operator overloading</a:t>
             </a:r>
           </a:p>
           <a:p>
@@ -6967,6 +7904,84 @@
   <p:clrMapOvr>
     <a:masterClrMapping/>
   </p:clrMapOvr>
+  <p:timing>
+    <p:tnLst>
+      <p:par>
+        <p:cTn id="1" dur="indefinite" restart="never" nodeType="tmRoot">
+          <p:childTnLst>
+            <p:seq concurrent="1" nextAc="seek">
+              <p:cTn id="2" dur="indefinite" nodeType="mainSeq">
+                <p:childTnLst>
+                  <p:par>
+                    <p:cTn id="3" fill="hold">
+                      <p:stCondLst>
+                        <p:cond delay="indefinite"/>
+                      </p:stCondLst>
+                      <p:childTnLst>
+                        <p:par>
+                          <p:cTn id="4" fill="hold">
+                            <p:stCondLst>
+                              <p:cond delay="0"/>
+                            </p:stCondLst>
+                            <p:childTnLst>
+                              <p:par>
+                                <p:cTn id="5" presetID="1" presetClass="entr" presetSubtype="0" fill="hold" grpId="0" nodeType="clickEffect">
+                                  <p:stCondLst>
+                                    <p:cond delay="0"/>
+                                  </p:stCondLst>
+                                  <p:childTnLst>
+                                    <p:set>
+                                      <p:cBhvr>
+                                        <p:cTn id="6" dur="1" fill="hold">
+                                          <p:stCondLst>
+                                            <p:cond delay="0"/>
+                                          </p:stCondLst>
+                                        </p:cTn>
+                                        <p:tgtEl>
+                                          <p:spTgt spid="4"/>
+                                        </p:tgtEl>
+                                        <p:attrNameLst>
+                                          <p:attrName>style.visibility</p:attrName>
+                                        </p:attrNameLst>
+                                      </p:cBhvr>
+                                      <p:to>
+                                        <p:strVal val="visible"/>
+                                      </p:to>
+                                    </p:set>
+                                  </p:childTnLst>
+                                </p:cTn>
+                              </p:par>
+                            </p:childTnLst>
+                          </p:cTn>
+                        </p:par>
+                      </p:childTnLst>
+                    </p:cTn>
+                  </p:par>
+                </p:childTnLst>
+              </p:cTn>
+              <p:prevCondLst>
+                <p:cond evt="onPrev" delay="0">
+                  <p:tgtEl>
+                    <p:sldTgt/>
+                  </p:tgtEl>
+                </p:cond>
+              </p:prevCondLst>
+              <p:nextCondLst>
+                <p:cond evt="onNext" delay="0">
+                  <p:tgtEl>
+                    <p:sldTgt/>
+                  </p:tgtEl>
+                </p:cond>
+              </p:nextCondLst>
+            </p:seq>
+          </p:childTnLst>
+        </p:cTn>
+      </p:par>
+    </p:tnLst>
+    <p:bldLst>
+      <p:bldP spid="4" grpId="0"/>
+    </p:bldLst>
+  </p:timing>
 </p:sld>
 </file>
 
